--- a/Customer Behaviour Predictions ppt.pptx
+++ b/Customer Behaviour Predictions ppt.pptx
@@ -4990,8 +4990,8 @@
         </p:nvSpPr>
         <p:spPr>
           <a:xfrm>
-            <a:off x="722376" y="3685032"/>
-            <a:ext cx="7772400" cy="2172860"/>
+            <a:off x="571472" y="3685032"/>
+            <a:ext cx="8072494" cy="2601488"/>
           </a:xfrm>
         </p:spPr>
         <p:txBody>
@@ -5067,7 +5067,25 @@
           </a:p>
           <a:p>
             <a:pPr algn="l"/>
-            <a:endParaRPr lang="en-IN" dirty="0" smtClean="0">
+            <a:r>
+              <a:rPr lang="en-IN" sz="1800" dirty="0" smtClean="0">
+                <a:solidFill>
+                  <a:schemeClr val="tx1"/>
+                </a:solidFill>
+                <a:hlinkClick r:id="rId2"/>
+              </a:rPr>
+              <a:t>https://</a:t>
+            </a:r>
+            <a:r>
+              <a:rPr lang="en-IN" sz="1800" dirty="0" smtClean="0">
+                <a:solidFill>
+                  <a:schemeClr val="tx1"/>
+                </a:solidFill>
+                <a:hlinkClick r:id="rId2"/>
+              </a:rPr>
+              <a:t>github.com/vanshika89/Customer-Behaviour-Analysis/blob/main/Customer%20Behaviour%20Predictions.ipynb</a:t>
+            </a:r>
+            <a:endParaRPr lang="en-IN" sz="1800" dirty="0" smtClean="0">
               <a:solidFill>
                 <a:schemeClr val="tx1"/>
               </a:solidFill>
@@ -5090,6 +5108,15 @@
                 </a:solidFill>
               </a:rPr>
               <a:t>DATA SET: </a:t>
+            </a:r>
+          </a:p>
+          <a:p>
+            <a:pPr algn="l"/>
+            <a:r>
+              <a:rPr lang="en-IN" u="sng" dirty="0" smtClean="0">
+                <a:hlinkClick r:id="rId3"/>
+              </a:rPr>
+              <a:t>https://www.kaggle.com/snap/amazon-fine-food-reviews</a:t>
             </a:r>
             <a:endParaRPr lang="en-IN" b="1" u="sng" dirty="0" smtClean="0">
               <a:solidFill>
